--- a/Thuyettrinh/Week1.pptx
+++ b/Thuyettrinh/Week1.pptx
@@ -119,7 +119,7 @@
   </p:defaultTextStyle>
   <p:extLst>
     <p:ext uri="{EFAFB233-063F-42B5-8137-9DF3F51BA10A}">
-      <p15:sldGuideLst xmlns="" xmlns:p15="http://schemas.microsoft.com/office/powerpoint/2012/main">
+      <p15:sldGuideLst xmlns:p15="http://schemas.microsoft.com/office/powerpoint/2012/main" xmlns="">
         <p15:guide id="1" orient="horz" pos="2160">
           <p15:clr>
             <a:srgbClr val="A4A3A4"/>
@@ -133,7 +133,7 @@
       </p15:sldGuideLst>
     </p:ext>
     <p:ext uri="{2D200454-40CA-4A62-9FC3-DE9A4176ACB9}">
-      <p15:notesGuideLst xmlns="" xmlns:p15="http://schemas.microsoft.com/office/powerpoint/2012/main">
+      <p15:notesGuideLst xmlns:p15="http://schemas.microsoft.com/office/powerpoint/2012/main" xmlns="">
         <p15:guide id="1" orient="horz" pos="2880">
           <p15:clr>
             <a:srgbClr val="A4A3A4"/>
@@ -5381,7 +5381,7 @@
   </p:txStyles>
   <p:extLst mod="1">
     <p:ext uri="{27BBF7A9-308A-43DC-89C8-2F10F3537804}">
-      <p15:sldGuideLst xmlns="" xmlns:p15="http://schemas.microsoft.com/office/powerpoint/2012/main">
+      <p15:sldGuideLst xmlns:p15="http://schemas.microsoft.com/office/powerpoint/2012/main" xmlns="">
         <p15:guide id="1" orient="horz" pos="2160" userDrawn="1">
           <p15:clr>
             <a:srgbClr val="F26B43"/>
@@ -5705,55 +5705,211 @@
               <a:rPr lang="en-US" dirty="0" smtClean="0"/>
               <a:t> laptop.</a:t>
             </a:r>
+          </a:p>
+          <a:p>
+            <a:r>
+              <a:rPr lang="en-US" dirty="0" smtClean="0"/>
+              <a:t>Long</a:t>
+            </a:r>
+          </a:p>
+          <a:p>
+            <a:pPr lvl="1"/>
+            <a:r>
+              <a:rPr lang="en-US" dirty="0" err="1" smtClean="0"/>
+              <a:t>Cài</a:t>
+            </a:r>
+            <a:r>
+              <a:rPr lang="en-US" dirty="0" smtClean="0"/>
+              <a:t> </a:t>
+            </a:r>
+            <a:r>
+              <a:rPr lang="en-US" dirty="0" err="1" smtClean="0"/>
+              <a:t>đặt</a:t>
+            </a:r>
+            <a:r>
+              <a:rPr lang="en-US" dirty="0" smtClean="0"/>
+              <a:t> </a:t>
+            </a:r>
+            <a:r>
+              <a:rPr lang="en-US" dirty="0" err="1" smtClean="0"/>
+              <a:t>hệ</a:t>
+            </a:r>
+            <a:r>
+              <a:rPr lang="en-US" dirty="0" smtClean="0"/>
+              <a:t> </a:t>
+            </a:r>
+            <a:r>
+              <a:rPr lang="en-US" dirty="0" err="1" smtClean="0"/>
+              <a:t>điều</a:t>
+            </a:r>
+            <a:r>
+              <a:rPr lang="en-US" dirty="0" smtClean="0"/>
+              <a:t> </a:t>
+            </a:r>
+            <a:r>
+              <a:rPr lang="en-US" dirty="0" err="1" smtClean="0"/>
+              <a:t>hành</a:t>
+            </a:r>
+            <a:r>
+              <a:rPr lang="en-US" dirty="0" smtClean="0"/>
+              <a:t>, </a:t>
+            </a:r>
+            <a:r>
+              <a:rPr lang="en-US" dirty="0" err="1" smtClean="0"/>
+              <a:t>opencv</a:t>
+            </a:r>
+            <a:r>
+              <a:rPr lang="en-US" dirty="0" smtClean="0"/>
+              <a:t> </a:t>
+            </a:r>
+            <a:r>
+              <a:rPr lang="en-US" dirty="0" err="1" smtClean="0"/>
+              <a:t>và</a:t>
+            </a:r>
+            <a:r>
+              <a:rPr lang="en-US" dirty="0" smtClean="0"/>
+              <a:t> </a:t>
+            </a:r>
+            <a:r>
+              <a:rPr lang="en-US" dirty="0" err="1" smtClean="0"/>
+              <a:t>qt</a:t>
+            </a:r>
+            <a:r>
+              <a:rPr lang="en-US" dirty="0" smtClean="0"/>
+              <a:t> </a:t>
+            </a:r>
+            <a:r>
+              <a:rPr lang="en-US" dirty="0" err="1" smtClean="0"/>
+              <a:t>trên</a:t>
+            </a:r>
+            <a:r>
+              <a:rPr lang="en-US" dirty="0" smtClean="0"/>
+              <a:t> raspberry.</a:t>
+            </a:r>
+            <a:endParaRPr lang="en-US" dirty="0"/>
+          </a:p>
+          <a:p>
+            <a:r>
+              <a:rPr lang="en-US" dirty="0" err="1" smtClean="0"/>
+              <a:t>Tân</a:t>
+            </a:r>
             <a:endParaRPr lang="en-US" dirty="0" smtClean="0"/>
           </a:p>
           <a:p>
-            <a:r>
-              <a:rPr lang="en-US" dirty="0" smtClean="0"/>
-              <a:t>Long</a:t>
-            </a:r>
-          </a:p>
-          <a:p>
             <a:pPr lvl="1"/>
             <a:r>
               <a:rPr lang="en-US" dirty="0" err="1" smtClean="0"/>
-              <a:t>Cài</a:t>
-            </a:r>
-            <a:r>
-              <a:rPr lang="en-US" dirty="0" smtClean="0"/>
-              <a:t> </a:t>
-            </a:r>
-            <a:r>
-              <a:rPr lang="en-US" dirty="0" err="1" smtClean="0"/>
-              <a:t>đặt</a:t>
-            </a:r>
-            <a:r>
-              <a:rPr lang="en-US" dirty="0" smtClean="0"/>
-              <a:t> </a:t>
-            </a:r>
-            <a:r>
-              <a:rPr lang="en-US" dirty="0" err="1" smtClean="0"/>
-              <a:t>hệ</a:t>
-            </a:r>
-            <a:r>
-              <a:rPr lang="en-US" dirty="0" smtClean="0"/>
-              <a:t> </a:t>
-            </a:r>
-            <a:r>
-              <a:rPr lang="en-US" dirty="0" err="1" smtClean="0"/>
-              <a:t>điều</a:t>
-            </a:r>
-            <a:r>
-              <a:rPr lang="en-US" dirty="0" smtClean="0"/>
-              <a:t> </a:t>
-            </a:r>
-            <a:r>
-              <a:rPr lang="en-US" dirty="0" err="1" smtClean="0"/>
-              <a:t>hành</a:t>
-            </a:r>
-            <a:r>
-              <a:rPr lang="en-US" dirty="0" smtClean="0"/>
-              <a:t>, </a:t>
+              <a:t>Thực</a:t>
+            </a:r>
+            <a:r>
+              <a:rPr lang="en-US" dirty="0" smtClean="0"/>
+              <a:t> </a:t>
+            </a:r>
+            <a:r>
+              <a:rPr lang="en-US" dirty="0" err="1" smtClean="0"/>
+              <a:t>hiện</a:t>
+            </a:r>
+            <a:r>
+              <a:rPr lang="en-US" dirty="0" smtClean="0"/>
+              <a:t> </a:t>
+            </a:r>
+            <a:r>
+              <a:rPr lang="en-US" dirty="0" err="1" smtClean="0"/>
+              <a:t>chức</a:t>
+            </a:r>
+            <a:r>
+              <a:rPr lang="en-US" dirty="0" smtClean="0"/>
+              <a:t> </a:t>
+            </a:r>
+            <a:r>
+              <a:rPr lang="en-US" dirty="0" err="1" smtClean="0"/>
+              <a:t>năng</a:t>
+            </a:r>
+            <a:r>
+              <a:rPr lang="en-US" dirty="0" smtClean="0"/>
+              <a:t> </a:t>
+            </a:r>
+            <a:r>
+              <a:rPr lang="en-US" dirty="0" err="1" smtClean="0"/>
+              <a:t>thêm</a:t>
+            </a:r>
+            <a:r>
+              <a:rPr lang="en-US" dirty="0" smtClean="0"/>
+              <a:t> </a:t>
+            </a:r>
+            <a:r>
+              <a:rPr lang="en-US" dirty="0" err="1" smtClean="0"/>
+              <a:t>dữ</a:t>
+            </a:r>
+            <a:r>
+              <a:rPr lang="en-US" dirty="0" smtClean="0"/>
+              <a:t> </a:t>
+            </a:r>
+            <a:r>
+              <a:rPr lang="en-US" dirty="0" err="1" smtClean="0"/>
+              <a:t>liệu</a:t>
+            </a:r>
+            <a:r>
+              <a:rPr lang="en-US" dirty="0" smtClean="0"/>
+              <a:t> </a:t>
+            </a:r>
+            <a:r>
+              <a:rPr lang="en-US" dirty="0" err="1" smtClean="0"/>
+              <a:t>vào</a:t>
+            </a:r>
+            <a:r>
+              <a:rPr lang="en-US" dirty="0" smtClean="0"/>
+              <a:t> database code C/C++.</a:t>
+            </a:r>
+          </a:p>
+          <a:p>
+            <a:r>
+              <a:rPr lang="en-US" dirty="0" err="1" smtClean="0"/>
+              <a:t>Bình</a:t>
+            </a:r>
+            <a:endParaRPr lang="en-US" dirty="0"/>
+          </a:p>
+          <a:p>
+            <a:pPr lvl="1"/>
+            <a:r>
+              <a:rPr lang="en-US" dirty="0" err="1" smtClean="0"/>
+              <a:t>Chuyển</a:t>
+            </a:r>
+            <a:r>
+              <a:rPr lang="en-US" dirty="0" smtClean="0"/>
+              <a:t> </a:t>
+            </a:r>
+            <a:r>
+              <a:rPr lang="en-US" dirty="0" err="1" smtClean="0"/>
+              <a:t>đổi</a:t>
+            </a:r>
+            <a:r>
+              <a:rPr lang="en-US" dirty="0" smtClean="0"/>
+              <a:t> </a:t>
+            </a:r>
+            <a:r>
+              <a:rPr lang="en-US" dirty="0" err="1" smtClean="0"/>
+              <a:t>lệnh</a:t>
+            </a:r>
+            <a:r>
+              <a:rPr lang="en-US" dirty="0" smtClean="0"/>
+              <a:t> convert </a:t>
+            </a:r>
+            <a:r>
+              <a:rPr lang="en-US" dirty="0" err="1" smtClean="0"/>
+              <a:t>rgb</a:t>
+            </a:r>
+            <a:r>
+              <a:rPr lang="en-US" dirty="0" smtClean="0"/>
+              <a:t> sang gray </a:t>
+            </a:r>
+            <a:r>
+              <a:rPr lang="en-US" dirty="0" err="1" smtClean="0"/>
+              <a:t>của</a:t>
+            </a:r>
+            <a:r>
+              <a:rPr lang="en-US" dirty="0" smtClean="0"/>
+              <a:t> </a:t>
             </a:r>
             <a:r>
               <a:rPr lang="en-US" dirty="0" err="1" smtClean="0"/>
@@ -5761,6 +5917,64 @@
             </a:r>
             <a:r>
               <a:rPr lang="en-US" dirty="0" smtClean="0"/>
+              <a:t> sang C/C++.</a:t>
+            </a:r>
+          </a:p>
+          <a:p>
+            <a:r>
+              <a:rPr lang="en-US" dirty="0" smtClean="0"/>
+              <a:t>Ý</a:t>
+            </a:r>
+            <a:endParaRPr lang="en-US" dirty="0"/>
+          </a:p>
+          <a:p>
+            <a:pPr lvl="1"/>
+            <a:r>
+              <a:rPr lang="en-US" dirty="0" err="1" smtClean="0"/>
+              <a:t>Tìm</a:t>
+            </a:r>
+            <a:r>
+              <a:rPr lang="en-US" dirty="0" smtClean="0"/>
+              <a:t> </a:t>
+            </a:r>
+            <a:r>
+              <a:rPr lang="en-US" dirty="0" err="1" smtClean="0"/>
+              <a:t>hiểu</a:t>
+            </a:r>
+            <a:r>
+              <a:rPr lang="en-US" dirty="0" smtClean="0"/>
+              <a:t> </a:t>
+            </a:r>
+            <a:r>
+              <a:rPr lang="en-US" dirty="0" err="1" smtClean="0"/>
+              <a:t>kí</a:t>
+            </a:r>
+            <a:r>
+              <a:rPr lang="en-US" dirty="0" smtClean="0"/>
+              <a:t> </a:t>
+            </a:r>
+            <a:r>
+              <a:rPr lang="en-US" dirty="0" err="1" smtClean="0"/>
+              <a:t>hiệu</a:t>
+            </a:r>
+            <a:r>
+              <a:rPr lang="en-US" dirty="0" smtClean="0"/>
+              <a:t> </a:t>
+            </a:r>
+            <a:r>
+              <a:rPr lang="en-US" dirty="0" err="1" smtClean="0"/>
+              <a:t>người</a:t>
+            </a:r>
+            <a:r>
+              <a:rPr lang="en-US" dirty="0" smtClean="0"/>
+              <a:t> </a:t>
+            </a:r>
+            <a:r>
+              <a:rPr lang="en-US" dirty="0" err="1" smtClean="0"/>
+              <a:t>câm</a:t>
+            </a:r>
+            <a:r>
+              <a:rPr lang="en-US" dirty="0" smtClean="0"/>
               <a:t> </a:t>
             </a:r>
             <a:r>
@@ -5773,166 +5987,11 @@
             </a:r>
             <a:r>
               <a:rPr lang="en-US" dirty="0" err="1" smtClean="0"/>
-              <a:t>qt</a:t>
-            </a:r>
-            <a:r>
-              <a:rPr lang="en-US" dirty="0" smtClean="0"/>
-              <a:t> </a:t>
-            </a:r>
-            <a:r>
-              <a:rPr lang="en-US" dirty="0" err="1" smtClean="0"/>
-              <a:t>trên</a:t>
-            </a:r>
-            <a:r>
-              <a:rPr lang="en-US" dirty="0" smtClean="0"/>
-              <a:t> raspberry.</a:t>
-            </a:r>
-            <a:endParaRPr lang="en-US" dirty="0"/>
-          </a:p>
-          <a:p>
-            <a:r>
-              <a:rPr lang="en-US" dirty="0" err="1" smtClean="0"/>
-              <a:t>Tân</a:t>
-            </a:r>
-            <a:endParaRPr lang="en-US" dirty="0" smtClean="0"/>
-          </a:p>
-          <a:p>
-            <a:pPr lvl="1"/>
-            <a:r>
-              <a:rPr lang="en-US" dirty="0" err="1" smtClean="0"/>
-              <a:t>Thực</a:t>
-            </a:r>
-            <a:r>
-              <a:rPr lang="en-US" dirty="0" smtClean="0"/>
-              <a:t> </a:t>
-            </a:r>
-            <a:r>
-              <a:rPr lang="en-US" dirty="0" err="1" smtClean="0"/>
-              <a:t>hiện</a:t>
-            </a:r>
-            <a:r>
-              <a:rPr lang="en-US" dirty="0" smtClean="0"/>
-              <a:t> </a:t>
-            </a:r>
-            <a:r>
-              <a:rPr lang="en-US" dirty="0" err="1" smtClean="0"/>
-              <a:t>chức</a:t>
-            </a:r>
-            <a:r>
-              <a:rPr lang="en-US" dirty="0" smtClean="0"/>
-              <a:t> </a:t>
-            </a:r>
-            <a:r>
-              <a:rPr lang="en-US" dirty="0" err="1" smtClean="0"/>
-              <a:t>năng</a:t>
-            </a:r>
-            <a:r>
-              <a:rPr lang="en-US" dirty="0" smtClean="0"/>
-              <a:t> </a:t>
-            </a:r>
-            <a:r>
-              <a:rPr lang="en-US" dirty="0" err="1" smtClean="0"/>
-              <a:t>thêm</a:t>
-            </a:r>
-            <a:r>
-              <a:rPr lang="en-US" dirty="0" smtClean="0"/>
-              <a:t> </a:t>
-            </a:r>
-            <a:r>
-              <a:rPr lang="en-US" dirty="0" err="1" smtClean="0"/>
-              <a:t>dữ</a:t>
-            </a:r>
-            <a:r>
-              <a:rPr lang="en-US" dirty="0" smtClean="0"/>
-              <a:t> </a:t>
-            </a:r>
-            <a:r>
-              <a:rPr lang="en-US" dirty="0" err="1" smtClean="0"/>
-              <a:t>liệu</a:t>
-            </a:r>
-            <a:r>
-              <a:rPr lang="en-US" dirty="0" smtClean="0"/>
-              <a:t> </a:t>
-            </a:r>
-            <a:r>
-              <a:rPr lang="en-US" dirty="0" err="1" smtClean="0"/>
-              <a:t>vào</a:t>
-            </a:r>
-            <a:r>
-              <a:rPr lang="en-US" dirty="0" smtClean="0"/>
-              <a:t> database code C/C++.</a:t>
-            </a:r>
-          </a:p>
-          <a:p>
-            <a:r>
-              <a:rPr lang="en-US" dirty="0" err="1" smtClean="0"/>
-              <a:t>Bình</a:t>
-            </a:r>
-            <a:endParaRPr lang="en-US" dirty="0"/>
-          </a:p>
-          <a:p>
-            <a:pPr lvl="1"/>
-            <a:r>
-              <a:rPr lang="en-US" dirty="0" err="1" smtClean="0"/>
-              <a:t>Chuyển</a:t>
-            </a:r>
-            <a:r>
-              <a:rPr lang="en-US" dirty="0" smtClean="0"/>
-              <a:t> </a:t>
-            </a:r>
-            <a:r>
-              <a:rPr lang="en-US" dirty="0" err="1" smtClean="0"/>
-              <a:t>đổi</a:t>
-            </a:r>
-            <a:r>
-              <a:rPr lang="en-US" dirty="0" smtClean="0"/>
-              <a:t> </a:t>
-            </a:r>
-            <a:r>
-              <a:rPr lang="en-US" dirty="0" err="1" smtClean="0"/>
-              <a:t>lệnh</a:t>
-            </a:r>
-            <a:r>
-              <a:rPr lang="en-US" dirty="0" smtClean="0"/>
-              <a:t> convert </a:t>
-            </a:r>
-            <a:r>
-              <a:rPr lang="en-US" dirty="0" err="1" smtClean="0"/>
-              <a:t>rgb</a:t>
-            </a:r>
-            <a:r>
-              <a:rPr lang="en-US" dirty="0" smtClean="0"/>
-              <a:t> sang gray </a:t>
-            </a:r>
-            <a:r>
-              <a:rPr lang="en-US" dirty="0" err="1" smtClean="0"/>
-              <a:t>của</a:t>
-            </a:r>
-            <a:r>
-              <a:rPr lang="en-US" dirty="0" smtClean="0"/>
-              <a:t> </a:t>
-            </a:r>
-            <a:r>
-              <a:rPr lang="en-US" dirty="0" err="1" smtClean="0"/>
-              <a:t>opencv</a:t>
-            </a:r>
-            <a:r>
-              <a:rPr lang="en-US" dirty="0" smtClean="0"/>
-              <a:t> sang C/C++.</a:t>
-            </a:r>
-          </a:p>
-          <a:p>
-            <a:r>
-              <a:rPr lang="en-US" dirty="0" smtClean="0"/>
-              <a:t>Ý</a:t>
-            </a:r>
-            <a:endParaRPr lang="en-US" dirty="0"/>
-          </a:p>
-          <a:p>
-            <a:pPr lvl="1"/>
-            <a:r>
-              <a:rPr lang="en-US" dirty="0" smtClean="0"/>
-              <a:t>Thu </a:t>
+              <a:t>thu</a:t>
+            </a:r>
+            <a:r>
+              <a:rPr lang="en-US" dirty="0" smtClean="0"/>
+              <a:t> </a:t>
             </a:r>
             <a:r>
               <a:rPr lang="en-US" dirty="0" err="1" smtClean="0"/>
@@ -8150,7 +8209,7 @@
               <a:t>người</a:t>
             </a:r>
             <a:r>
-              <a:rPr lang="en-US" smtClean="0"/>
+              <a:rPr lang="en-US" dirty="0" smtClean="0"/>
               <a:t>.</a:t>
             </a:r>
             <a:endParaRPr lang="en-US" dirty="0"/>
